--- a/PROJECT?!!!!!!!!!!!!!!!!!/Захаров Проект.pptx
+++ b/PROJECT?!!!!!!!!!!!!!!!!!/Захаров Проект.pptx
@@ -267,7 +267,7 @@
       </p15:sldGuideLst>
     </p:ext>
     <p:ext uri="http://customooxmlschemas.google.com/">
-      <go:slidesCustomData xmlns="" xmlns:mc="http://schemas.openxmlformats.org/markup-compatibility/2006" xmlns:mv="urn:schemas-microsoft-com:mac:vml" xmlns:c="http://schemas.openxmlformats.org/drawingml/2006/chart" xmlns:dgm="http://schemas.openxmlformats.org/drawingml/2006/diagram" xmlns:o="urn:schemas-microsoft-com:office:office" xmlns:v="urn:schemas-microsoft-com:vml" xmlns:pvml="urn:schemas-microsoft-com:office:powerpoint" xmlns:com="http://schemas.openxmlformats.org/drawingml/2006/compatibility" xmlns:p14="http://schemas.microsoft.com/office/powerpoint/2010/main" xmlns:p15="http://schemas.microsoft.com/office/powerpoint/2012/main" xmlns:ahyp="http://schemas.microsoft.com/office/drawing/2018/hyperlinkcolor" xmlns:go="http://customooxmlschemas.google.com/" r:id="rId16" roundtripDataSignature="AMtx7miX85ZHYA/tcJ1MdPttvZupoDb1mA=="/>
+      <go:slidesCustomData xmlns:go="http://customooxmlschemas.google.com/" xmlns:ahyp="http://schemas.microsoft.com/office/drawing/2018/hyperlinkcolor" xmlns:p15="http://schemas.microsoft.com/office/powerpoint/2012/main" xmlns:p14="http://schemas.microsoft.com/office/powerpoint/2010/main" xmlns:com="http://schemas.openxmlformats.org/drawingml/2006/compatibility" xmlns:pvml="urn:schemas-microsoft-com:office:powerpoint" xmlns:v="urn:schemas-microsoft-com:vml" xmlns:o="urn:schemas-microsoft-com:office:office" xmlns:dgm="http://schemas.openxmlformats.org/drawingml/2006/diagram" xmlns:c="http://schemas.openxmlformats.org/drawingml/2006/chart" xmlns:mv="urn:schemas-microsoft-com:mac:vml" xmlns:mc="http://schemas.openxmlformats.org/markup-compatibility/2006" xmlns="" r:id="rId16" roundtripDataSignature="AMtx7miX85ZHYA/tcJ1MdPttvZupoDb1mA=="/>
     </p:ext>
   </p:extLst>
 </p:presentation>
@@ -1509,8 +1509,8 @@
         </p:nvSpPr>
         <p:spPr>
           <a:xfrm>
-            <a:off x="1143225" y="685800"/>
-            <a:ext cx="4572225" cy="3429000"/>
+            <a:off x="1143000" y="685800"/>
+            <a:ext cx="4572000" cy="3429000"/>
           </a:xfrm>
           <a:custGeom>
             <a:avLst/>
@@ -10288,7 +10288,15 @@
           <a:p>
             <a:r>
               <a:rPr lang="ru-RU" dirty="0" smtClean="0"/>
-              <a:t>Поиск искомой окружности</a:t>
+              <a:t>Поиск искомой </a:t>
+            </a:r>
+            <a:r>
+              <a:rPr lang="ru-RU" dirty="0" smtClean="0"/>
+              <a:t>окружности. </a:t>
+            </a:r>
+            <a:r>
+              <a:rPr lang="ru-RU" dirty="0" smtClean="0"/>
+              <a:t>Изначально я хотел искать две самые удаленные друг от друга точки и думал, что искомая окружность проходит через них. Это оказалось не так</a:t>
             </a:r>
             <a:endParaRPr lang="ru-RU" dirty="0"/>
           </a:p>
@@ -11844,7 +11852,7 @@
               <a:buChar char="●"/>
             </a:pPr>
             <a:r>
-              <a:rPr lang="en-US" sz="1800" b="1" i="0" u="none" strike="noStrike" cap="none">
+              <a:rPr lang="en-US" sz="1800" b="1" i="0" u="none" strike="noStrike" cap="none" dirty="0" err="1">
                 <a:solidFill>
                   <a:schemeClr val="dk1"/>
                 </a:solidFill>
@@ -11853,9 +11861,21 @@
                 <a:cs typeface="Arial"/>
                 <a:sym typeface="Arial"/>
               </a:rPr>
-              <a:t>Имеем:</a:t>
-            </a:r>
-            <a:endParaRPr sz="1800" b="1" i="0" u="none" strike="noStrike" cap="none">
+              <a:t>Имеем</a:t>
+            </a:r>
+            <a:r>
+              <a:rPr lang="en-US" sz="1800" b="1" i="0" u="none" strike="noStrike" cap="none" dirty="0">
+                <a:solidFill>
+                  <a:schemeClr val="dk1"/>
+                </a:solidFill>
+                <a:latin typeface="Arial"/>
+                <a:ea typeface="Arial"/>
+                <a:cs typeface="Arial"/>
+                <a:sym typeface="Arial"/>
+              </a:rPr>
+              <a:t>:</a:t>
+            </a:r>
+            <a:endParaRPr sz="1800" b="1" i="0" u="none" strike="noStrike" cap="none" dirty="0">
               <a:solidFill>
                 <a:schemeClr val="dk1"/>
               </a:solidFill>
@@ -11884,7 +11904,7 @@
               <a:buChar char="●"/>
             </a:pPr>
             <a:r>
-              <a:rPr lang="en-US" sz="1800" b="1" i="0" u="none" strike="noStrike" cap="none">
+              <a:rPr lang="en-US" sz="1800" b="1" i="0" u="none" strike="noStrike" cap="none" dirty="0">
                 <a:solidFill>
                   <a:schemeClr val="dk1"/>
                 </a:solidFill>
@@ -11896,7 +11916,7 @@
               <a:t> </a:t>
             </a:r>
             <a:r>
-              <a:rPr lang="en-US" sz="1800" b="0" i="0" u="none" strike="noStrike" cap="none">
+              <a:rPr lang="en-US" sz="1800" b="0" i="0" u="none" strike="noStrike" cap="none" dirty="0" err="1">
                 <a:solidFill>
                   <a:schemeClr val="dk1"/>
                 </a:solidFill>
@@ -11905,13 +11925,37 @@
                 <a:cs typeface="Arial"/>
                 <a:sym typeface="Arial"/>
               </a:rPr>
-              <a:t>множество т</a:t>
-            </a:r>
-            <a:r>
-              <a:rPr lang="en-US" sz="1800"/>
+              <a:t>множество</a:t>
+            </a:r>
+            <a:r>
+              <a:rPr lang="en-US" sz="1800" b="0" i="0" u="none" strike="noStrike" cap="none" dirty="0">
+                <a:solidFill>
+                  <a:schemeClr val="dk1"/>
+                </a:solidFill>
+                <a:latin typeface="Arial"/>
+                <a:ea typeface="Arial"/>
+                <a:cs typeface="Arial"/>
+                <a:sym typeface="Arial"/>
+              </a:rPr>
+              <a:t> </a:t>
+            </a:r>
+            <a:r>
+              <a:rPr lang="en-US" sz="1800" b="0" i="0" u="none" strike="noStrike" cap="none" dirty="0" err="1">
+                <a:solidFill>
+                  <a:schemeClr val="dk1"/>
+                </a:solidFill>
+                <a:latin typeface="Arial"/>
+                <a:ea typeface="Arial"/>
+                <a:cs typeface="Arial"/>
+                <a:sym typeface="Arial"/>
+              </a:rPr>
+              <a:t>т</a:t>
+            </a:r>
+            <a:r>
+              <a:rPr lang="en-US" sz="1800" dirty="0" err="1"/>
               <a:t>очек</a:t>
             </a:r>
-            <a:endParaRPr/>
+            <a:endParaRPr dirty="0"/>
           </a:p>
           <a:p>
             <a:pPr marL="342900" marR="0" lvl="0" indent="-342900" algn="l" rtl="0">
@@ -11932,7 +11976,7 @@
               <a:buChar char="●"/>
             </a:pPr>
             <a:r>
-              <a:rPr lang="en-US" sz="2000" b="1" i="0" u="none" strike="noStrike" cap="none">
+              <a:rPr lang="en-US" sz="2000" b="1" i="0" u="none" strike="noStrike" cap="none" dirty="0" err="1">
                 <a:solidFill>
                   <a:schemeClr val="dk1"/>
                 </a:solidFill>
@@ -11944,7 +11988,7 @@
               <a:t>Требуется</a:t>
             </a:r>
             <a:r>
-              <a:rPr lang="en-US" sz="1800" b="0" i="0" u="none" strike="noStrike" cap="none">
+              <a:rPr lang="en-US" sz="1800" b="0" i="0" u="none" strike="noStrike" cap="none" dirty="0">
                 <a:solidFill>
                   <a:schemeClr val="dk1"/>
                 </a:solidFill>
@@ -11955,7 +11999,7 @@
               </a:rPr>
               <a:t>:</a:t>
             </a:r>
-            <a:endParaRPr/>
+            <a:endParaRPr dirty="0"/>
           </a:p>
           <a:p>
             <a:pPr marL="342900" marR="0" lvl="0" indent="-342900" algn="l" rtl="0">
@@ -11976,7 +12020,7 @@
               <a:buChar char="●"/>
             </a:pPr>
             <a:r>
-              <a:rPr lang="en-US" sz="1800" b="0" i="0" u="none" strike="noStrike" cap="none">
+              <a:rPr lang="en-US" sz="1800" b="0" i="0" u="none" strike="noStrike" cap="none" dirty="0" err="1">
                 <a:solidFill>
                   <a:schemeClr val="dk1"/>
                 </a:solidFill>
@@ -11985,13 +12029,57 @@
                 <a:cs typeface="Arial"/>
                 <a:sym typeface="Arial"/>
               </a:rPr>
-              <a:t>Нахождение </a:t>
-            </a:r>
-            <a:r>
-              <a:rPr lang="en-US" sz="1800"/>
-              <a:t>окружности, содержащей все точки множества</a:t>
-            </a:r>
-            <a:endParaRPr/>
+              <a:t>Нахождение</a:t>
+            </a:r>
+            <a:r>
+              <a:rPr lang="en-US" sz="1800" b="0" i="0" u="none" strike="noStrike" cap="none" dirty="0">
+                <a:solidFill>
+                  <a:schemeClr val="dk1"/>
+                </a:solidFill>
+                <a:latin typeface="Arial"/>
+                <a:ea typeface="Arial"/>
+                <a:cs typeface="Arial"/>
+                <a:sym typeface="Arial"/>
+              </a:rPr>
+              <a:t> </a:t>
+            </a:r>
+            <a:r>
+              <a:rPr lang="en-US" sz="1800" dirty="0" err="1"/>
+              <a:t>окружности</a:t>
+            </a:r>
+            <a:r>
+              <a:rPr lang="en-US" sz="1800" dirty="0"/>
+              <a:t>, </a:t>
+            </a:r>
+            <a:r>
+              <a:rPr lang="en-US" sz="1800" dirty="0" err="1"/>
+              <a:t>содержащей</a:t>
+            </a:r>
+            <a:r>
+              <a:rPr lang="en-US" sz="1800" dirty="0"/>
+              <a:t> </a:t>
+            </a:r>
+            <a:r>
+              <a:rPr lang="en-US" sz="1800" dirty="0" err="1"/>
+              <a:t>все</a:t>
+            </a:r>
+            <a:r>
+              <a:rPr lang="en-US" sz="1800" dirty="0"/>
+              <a:t> </a:t>
+            </a:r>
+            <a:r>
+              <a:rPr lang="en-US" sz="1800" dirty="0" err="1"/>
+              <a:t>точки</a:t>
+            </a:r>
+            <a:r>
+              <a:rPr lang="en-US" sz="1800" dirty="0"/>
+              <a:t> </a:t>
+            </a:r>
+            <a:r>
+              <a:rPr lang="en-US" sz="1800" dirty="0" err="1"/>
+              <a:t>множества</a:t>
+            </a:r>
+            <a:endParaRPr dirty="0"/>
           </a:p>
           <a:p>
             <a:pPr marL="342900" marR="0" lvl="0" indent="-342900" algn="l" rtl="0">
@@ -12012,10 +12100,26 @@
               <a:buChar char="●"/>
             </a:pPr>
             <a:r>
-              <a:rPr lang="en-US" sz="1800"/>
-              <a:t>Нарисовать эту окружность</a:t>
-            </a:r>
-            <a:endParaRPr/>
+              <a:rPr lang="en-US" sz="1800" dirty="0" err="1"/>
+              <a:t>Нарисовать</a:t>
+            </a:r>
+            <a:r>
+              <a:rPr lang="en-US" sz="1800" dirty="0"/>
+              <a:t> </a:t>
+            </a:r>
+            <a:r>
+              <a:rPr lang="en-US" sz="1800" dirty="0" err="1"/>
+              <a:t>эту</a:t>
+            </a:r>
+            <a:r>
+              <a:rPr lang="en-US" sz="1800" dirty="0"/>
+              <a:t> </a:t>
+            </a:r>
+            <a:r>
+              <a:rPr lang="en-US" sz="1800" dirty="0" err="1"/>
+              <a:t>окружность</a:t>
+            </a:r>
+            <a:endParaRPr dirty="0"/>
           </a:p>
           <a:p>
             <a:pPr marL="342900" marR="0" lvl="0" indent="-262890" algn="l" rtl="0">
@@ -12035,7 +12139,7 @@
               <a:buFont typeface="Noto Sans Symbols"/>
               <a:buNone/>
             </a:pPr>
-            <a:endParaRPr sz="1800" b="0" i="0" u="none">
+            <a:endParaRPr sz="1800" b="0" i="0" u="none" dirty="0">
               <a:solidFill>
                 <a:schemeClr val="dk1"/>
               </a:solidFill>
@@ -12264,7 +12368,7 @@
               <a:buNone/>
             </a:pPr>
             <a:r>
-              <a:rPr lang="en-US" sz="3900" b="1" i="0" u="none">
+              <a:rPr lang="en-US" sz="3900" b="1" i="0" u="none" dirty="0" err="1">
                 <a:solidFill>
                   <a:schemeClr val="dk2"/>
                 </a:solidFill>
@@ -12273,9 +12377,33 @@
                 <a:cs typeface="Arial"/>
                 <a:sym typeface="Arial"/>
               </a:rPr>
-              <a:t>Математическая модель</a:t>
-            </a:r>
-            <a:endParaRPr/>
+              <a:t>Математическая</a:t>
+            </a:r>
+            <a:r>
+              <a:rPr lang="en-US" sz="3900" b="1" i="0" u="none" dirty="0">
+                <a:solidFill>
+                  <a:schemeClr val="dk2"/>
+                </a:solidFill>
+                <a:latin typeface="Arial"/>
+                <a:ea typeface="Arial"/>
+                <a:cs typeface="Arial"/>
+                <a:sym typeface="Arial"/>
+              </a:rPr>
+              <a:t> </a:t>
+            </a:r>
+            <a:r>
+              <a:rPr lang="en-US" sz="3900" b="1" i="0" u="none" dirty="0" err="1">
+                <a:solidFill>
+                  <a:schemeClr val="dk2"/>
+                </a:solidFill>
+                <a:latin typeface="Arial"/>
+                <a:ea typeface="Arial"/>
+                <a:cs typeface="Arial"/>
+                <a:sym typeface="Arial"/>
+              </a:rPr>
+              <a:t>модель</a:t>
+            </a:r>
+            <a:endParaRPr dirty="0"/>
           </a:p>
         </p:txBody>
       </p:sp>
@@ -12495,10 +12623,82 @@
               <a:buNone/>
             </a:pPr>
             <a:r>
-              <a:rPr lang="en-US"/>
-              <a:t>1)Нахождение геометрического центра множества точек (среднего арифметического их координат)</a:t>
-            </a:r>
-            <a:endParaRPr/>
+              <a:rPr lang="en-US" dirty="0"/>
+              <a:t>1)</a:t>
+            </a:r>
+            <a:r>
+              <a:rPr lang="en-US" dirty="0" err="1"/>
+              <a:t>Нахождение</a:t>
+            </a:r>
+            <a:r>
+              <a:rPr lang="en-US" dirty="0"/>
+              <a:t> </a:t>
+            </a:r>
+            <a:r>
+              <a:rPr lang="en-US" dirty="0" err="1"/>
+              <a:t>геометрического</a:t>
+            </a:r>
+            <a:r>
+              <a:rPr lang="en-US" dirty="0"/>
+              <a:t> </a:t>
+            </a:r>
+            <a:r>
+              <a:rPr lang="en-US" dirty="0" err="1"/>
+              <a:t>центра</a:t>
+            </a:r>
+            <a:r>
+              <a:rPr lang="en-US" dirty="0"/>
+              <a:t> </a:t>
+            </a:r>
+            <a:r>
+              <a:rPr lang="en-US" dirty="0" err="1"/>
+              <a:t>множества</a:t>
+            </a:r>
+            <a:r>
+              <a:rPr lang="en-US" dirty="0"/>
+              <a:t> </a:t>
+            </a:r>
+            <a:r>
+              <a:rPr lang="en-US" dirty="0" err="1"/>
+              <a:t>точек</a:t>
+            </a:r>
+            <a:r>
+              <a:rPr lang="en-US" dirty="0"/>
+              <a:t> (</a:t>
+            </a:r>
+            <a:r>
+              <a:rPr lang="en-US" dirty="0" err="1"/>
+              <a:t>среднего</a:t>
+            </a:r>
+            <a:r>
+              <a:rPr lang="en-US" dirty="0"/>
+              <a:t> </a:t>
+            </a:r>
+            <a:r>
+              <a:rPr lang="en-US" dirty="0" err="1"/>
+              <a:t>арифметического</a:t>
+            </a:r>
+            <a:r>
+              <a:rPr lang="en-US" dirty="0"/>
+              <a:t> </a:t>
+            </a:r>
+            <a:r>
+              <a:rPr lang="en-US" dirty="0" err="1"/>
+              <a:t>их</a:t>
+            </a:r>
+            <a:r>
+              <a:rPr lang="en-US" dirty="0"/>
+              <a:t> </a:t>
+            </a:r>
+            <a:r>
+              <a:rPr lang="en-US" dirty="0" err="1"/>
+              <a:t>координат</a:t>
+            </a:r>
+            <a:r>
+              <a:rPr lang="en-US" dirty="0"/>
+              <a:t>)</a:t>
+            </a:r>
+            <a:endParaRPr dirty="0"/>
           </a:p>
         </p:txBody>
       </p:sp>
@@ -12565,10 +12765,62 @@
               <a:buNone/>
             </a:pPr>
             <a:r>
-              <a:rPr lang="en-US"/>
-              <a:t>2) Поиск наиболее удаленной от             этого центра точки</a:t>
-            </a:r>
-            <a:endParaRPr/>
+              <a:rPr lang="en-US" dirty="0"/>
+              <a:t>2) </a:t>
+            </a:r>
+            <a:r>
+              <a:rPr lang="en-US" dirty="0" err="1"/>
+              <a:t>Поиск</a:t>
+            </a:r>
+            <a:r>
+              <a:rPr lang="en-US" dirty="0"/>
+              <a:t> </a:t>
+            </a:r>
+            <a:r>
+              <a:rPr lang="en-US" dirty="0" err="1"/>
+              <a:t>наиболее</a:t>
+            </a:r>
+            <a:r>
+              <a:rPr lang="en-US" dirty="0"/>
+              <a:t> </a:t>
+            </a:r>
+            <a:r>
+              <a:rPr lang="en-US" dirty="0" err="1"/>
+              <a:t>удаленной</a:t>
+            </a:r>
+            <a:r>
+              <a:rPr lang="en-US" dirty="0"/>
+              <a:t> </a:t>
+            </a:r>
+            <a:r>
+              <a:rPr lang="en-US" dirty="0" err="1"/>
+              <a:t>от</a:t>
+            </a:r>
+            <a:r>
+              <a:rPr lang="en-US" dirty="0"/>
+              <a:t>             </a:t>
+            </a:r>
+            <a:r>
+              <a:rPr lang="en-US" dirty="0" err="1"/>
+              <a:t>этого</a:t>
+            </a:r>
+            <a:r>
+              <a:rPr lang="en-US" dirty="0"/>
+              <a:t> </a:t>
+            </a:r>
+            <a:r>
+              <a:rPr lang="en-US" dirty="0" err="1"/>
+              <a:t>центра</a:t>
+            </a:r>
+            <a:r>
+              <a:rPr lang="en-US" dirty="0"/>
+              <a:t> </a:t>
+            </a:r>
+            <a:r>
+              <a:rPr lang="en-US" dirty="0" err="1"/>
+              <a:t>точки</a:t>
+            </a:r>
+            <a:endParaRPr dirty="0"/>
           </a:p>
         </p:txBody>
       </p:sp>
@@ -12882,8 +13134,8 @@
         </p:nvSpPr>
         <p:spPr>
           <a:xfrm>
-            <a:off x="457200" y="1719262"/>
-            <a:ext cx="4038600" cy="4411662"/>
+            <a:off x="457199" y="1719262"/>
+            <a:ext cx="5630091" cy="4411662"/>
           </a:xfrm>
           <a:prstGeom prst="rect">
             <a:avLst/>
@@ -12917,7 +13169,7 @@
               <a:buChar char="●"/>
             </a:pPr>
             <a:r>
-              <a:rPr lang="en-US" sz="1800" b="0" i="0" u="none">
+              <a:rPr lang="en-US" sz="1800" b="0" i="0" u="none" dirty="0" err="1">
                 <a:solidFill>
                   <a:schemeClr val="dk1"/>
                 </a:solidFill>
@@ -12926,14 +13178,50 @@
                 <a:cs typeface="Arial"/>
                 <a:sym typeface="Arial"/>
               </a:rPr>
-              <a:t>Имеется массив </a:t>
-            </a:r>
-            <a:r>
-              <a:rPr lang="en-US" sz="1800"/>
+              <a:t>Имеется</a:t>
+            </a:r>
+            <a:r>
+              <a:rPr lang="en-US" sz="1800" b="0" i="0" u="none" dirty="0">
+                <a:solidFill>
+                  <a:schemeClr val="dk1"/>
+                </a:solidFill>
+                <a:latin typeface="Arial"/>
+                <a:ea typeface="Arial"/>
+                <a:cs typeface="Arial"/>
+                <a:sym typeface="Arial"/>
+              </a:rPr>
+              <a:t> </a:t>
+            </a:r>
+            <a:r>
+              <a:rPr lang="en-US" sz="1800" b="0" i="0" u="none" dirty="0" err="1">
+                <a:solidFill>
+                  <a:schemeClr val="dk1"/>
+                </a:solidFill>
+                <a:latin typeface="Arial"/>
+                <a:ea typeface="Arial"/>
+                <a:cs typeface="Arial"/>
+                <a:sym typeface="Arial"/>
+              </a:rPr>
+              <a:t>массив</a:t>
+            </a:r>
+            <a:r>
+              <a:rPr lang="en-US" sz="1800" b="0" i="0" u="none" dirty="0">
+                <a:solidFill>
+                  <a:schemeClr val="dk1"/>
+                </a:solidFill>
+                <a:latin typeface="Arial"/>
+                <a:ea typeface="Arial"/>
+                <a:cs typeface="Arial"/>
+                <a:sym typeface="Arial"/>
+              </a:rPr>
+              <a:t> </a:t>
+            </a:r>
+            <a:r>
+              <a:rPr lang="en-US" sz="1800" dirty="0"/>
               <a:t>points</a:t>
             </a:r>
             <a:r>
-              <a:rPr lang="en-US" sz="1800" b="0" i="0" u="none">
+              <a:rPr lang="en-US" sz="1800" b="0" i="0" u="none" dirty="0">
                 <a:solidFill>
                   <a:schemeClr val="dk1"/>
                 </a:solidFill>
@@ -12942,14 +13230,38 @@
                 <a:cs typeface="Arial"/>
                 <a:sym typeface="Arial"/>
               </a:rPr>
-              <a:t> типа </a:t>
-            </a:r>
-            <a:r>
-              <a:rPr lang="en-US" sz="1800"/>
+              <a:t> </a:t>
+            </a:r>
+            <a:r>
+              <a:rPr lang="en-US" sz="1800" b="0" i="0" u="none" dirty="0" err="1">
+                <a:solidFill>
+                  <a:schemeClr val="dk1"/>
+                </a:solidFill>
+                <a:latin typeface="Arial"/>
+                <a:ea typeface="Arial"/>
+                <a:cs typeface="Arial"/>
+                <a:sym typeface="Arial"/>
+              </a:rPr>
+              <a:t>типа</a:t>
+            </a:r>
+            <a:r>
+              <a:rPr lang="en-US" sz="1800" b="0" i="0" u="none" dirty="0">
+                <a:solidFill>
+                  <a:schemeClr val="dk1"/>
+                </a:solidFill>
+                <a:latin typeface="Arial"/>
+                <a:ea typeface="Arial"/>
+                <a:cs typeface="Arial"/>
+                <a:sym typeface="Arial"/>
+              </a:rPr>
+              <a:t> </a:t>
+            </a:r>
+            <a:r>
+              <a:rPr lang="en-US" sz="1800" dirty="0"/>
               <a:t>Point</a:t>
             </a:r>
             <a:r>
-              <a:rPr lang="en-US" sz="1800" b="0" i="0" u="none">
+              <a:rPr lang="en-US" sz="1800" b="0" i="0" u="none" dirty="0">
                 <a:solidFill>
                   <a:schemeClr val="dk1"/>
                 </a:solidFill>
@@ -12958,9 +13270,141 @@
                 <a:cs typeface="Arial"/>
                 <a:sym typeface="Arial"/>
               </a:rPr>
-              <a:t> хранящий координаты вводимого множества точек.</a:t>
-            </a:r>
-            <a:endParaRPr/>
+              <a:t> </a:t>
+            </a:r>
+            <a:r>
+              <a:rPr lang="en-US" sz="1800" b="0" i="0" u="none" dirty="0" err="1">
+                <a:solidFill>
+                  <a:schemeClr val="dk1"/>
+                </a:solidFill>
+                <a:latin typeface="Arial"/>
+                <a:ea typeface="Arial"/>
+                <a:cs typeface="Arial"/>
+                <a:sym typeface="Arial"/>
+              </a:rPr>
+              <a:t>хранящий</a:t>
+            </a:r>
+            <a:r>
+              <a:rPr lang="en-US" sz="1800" b="0" i="0" u="none" dirty="0">
+                <a:solidFill>
+                  <a:schemeClr val="dk1"/>
+                </a:solidFill>
+                <a:latin typeface="Arial"/>
+                <a:ea typeface="Arial"/>
+                <a:cs typeface="Arial"/>
+                <a:sym typeface="Arial"/>
+              </a:rPr>
+              <a:t> </a:t>
+            </a:r>
+            <a:r>
+              <a:rPr lang="en-US" sz="1800" b="0" i="0" u="none" dirty="0" err="1">
+                <a:solidFill>
+                  <a:schemeClr val="dk1"/>
+                </a:solidFill>
+                <a:latin typeface="Arial"/>
+                <a:ea typeface="Arial"/>
+                <a:cs typeface="Arial"/>
+                <a:sym typeface="Arial"/>
+              </a:rPr>
+              <a:t>координаты</a:t>
+            </a:r>
+            <a:r>
+              <a:rPr lang="en-US" sz="1800" b="0" i="0" u="none" dirty="0">
+                <a:solidFill>
+                  <a:schemeClr val="dk1"/>
+                </a:solidFill>
+                <a:latin typeface="Arial"/>
+                <a:ea typeface="Arial"/>
+                <a:cs typeface="Arial"/>
+                <a:sym typeface="Arial"/>
+              </a:rPr>
+              <a:t> </a:t>
+            </a:r>
+            <a:r>
+              <a:rPr lang="en-US" sz="1800" b="0" i="0" u="none" dirty="0" err="1">
+                <a:solidFill>
+                  <a:schemeClr val="dk1"/>
+                </a:solidFill>
+                <a:latin typeface="Arial"/>
+                <a:ea typeface="Arial"/>
+                <a:cs typeface="Arial"/>
+                <a:sym typeface="Arial"/>
+              </a:rPr>
+              <a:t>вводимого</a:t>
+            </a:r>
+            <a:r>
+              <a:rPr lang="en-US" sz="1800" b="0" i="0" u="none" dirty="0">
+                <a:solidFill>
+                  <a:schemeClr val="dk1"/>
+                </a:solidFill>
+                <a:latin typeface="Arial"/>
+                <a:ea typeface="Arial"/>
+                <a:cs typeface="Arial"/>
+                <a:sym typeface="Arial"/>
+              </a:rPr>
+              <a:t> </a:t>
+            </a:r>
+            <a:r>
+              <a:rPr lang="en-US" sz="1800" b="0" i="0" u="none" dirty="0" err="1">
+                <a:solidFill>
+                  <a:schemeClr val="dk1"/>
+                </a:solidFill>
+                <a:latin typeface="Arial"/>
+                <a:ea typeface="Arial"/>
+                <a:cs typeface="Arial"/>
+                <a:sym typeface="Arial"/>
+              </a:rPr>
+              <a:t>множества</a:t>
+            </a:r>
+            <a:r>
+              <a:rPr lang="en-US" sz="1800" b="0" i="0" u="none" dirty="0">
+                <a:solidFill>
+                  <a:schemeClr val="dk1"/>
+                </a:solidFill>
+                <a:latin typeface="Arial"/>
+                <a:ea typeface="Arial"/>
+                <a:cs typeface="Arial"/>
+                <a:sym typeface="Arial"/>
+              </a:rPr>
+              <a:t> </a:t>
+            </a:r>
+            <a:r>
+              <a:rPr lang="en-US" sz="1800" b="0" i="0" u="none" dirty="0" err="1">
+                <a:solidFill>
+                  <a:schemeClr val="dk1"/>
+                </a:solidFill>
+                <a:latin typeface="Arial"/>
+                <a:ea typeface="Arial"/>
+                <a:cs typeface="Arial"/>
+                <a:sym typeface="Arial"/>
+              </a:rPr>
+              <a:t>точек</a:t>
+            </a:r>
+            <a:r>
+              <a:rPr lang="en-US" sz="1800" b="0" i="0" u="none" dirty="0" smtClean="0">
+                <a:solidFill>
+                  <a:schemeClr val="dk1"/>
+                </a:solidFill>
+                <a:latin typeface="Arial"/>
+                <a:ea typeface="Arial"/>
+                <a:cs typeface="Arial"/>
+                <a:sym typeface="Arial"/>
+              </a:rPr>
+              <a:t>.</a:t>
+            </a:r>
+            <a:r>
+              <a:rPr lang="ru-RU" sz="1800" b="0" i="0" u="none" dirty="0" smtClean="0">
+                <a:solidFill>
+                  <a:schemeClr val="dk1"/>
+                </a:solidFill>
+                <a:latin typeface="Arial"/>
+                <a:ea typeface="Arial"/>
+                <a:cs typeface="Arial"/>
+                <a:sym typeface="Arial"/>
+              </a:rPr>
+              <a:t> Больше в задаче ничего не нужно.</a:t>
+            </a:r>
+            <a:endParaRPr dirty="0"/>
           </a:p>
           <a:p>
             <a:pPr marL="342900" marR="0" lvl="0" indent="-262890" algn="l" rtl="0">
@@ -12980,7 +13424,7 @@
               <a:buFont typeface="Noto Sans Symbols"/>
               <a:buNone/>
             </a:pPr>
-            <a:endParaRPr sz="1800" b="0" i="0" u="none">
+            <a:endParaRPr sz="1800" b="0" i="0" u="none" dirty="0">
               <a:solidFill>
                 <a:schemeClr val="dk1"/>
               </a:solidFill>
@@ -13008,7 +13452,7 @@
               <a:buFont typeface="Noto Sans Symbols"/>
               <a:buNone/>
             </a:pPr>
-            <a:endParaRPr sz="1800" b="0" i="0" u="none">
+            <a:endParaRPr sz="1800" b="0" i="0" u="none" dirty="0">
               <a:solidFill>
                 <a:schemeClr val="dk1"/>
               </a:solidFill>
@@ -13036,7 +13480,7 @@
               <a:buFont typeface="Noto Sans Symbols"/>
               <a:buNone/>
             </a:pPr>
-            <a:endParaRPr sz="1800" b="0" i="0" u="none">
+            <a:endParaRPr sz="1800" b="0" i="0" u="none" dirty="0">
               <a:solidFill>
                 <a:schemeClr val="dk1"/>
               </a:solidFill>
@@ -13064,7 +13508,7 @@
               <a:buFont typeface="Noto Sans Symbols"/>
               <a:buNone/>
             </a:pPr>
-            <a:endParaRPr sz="1800" b="0" i="0" u="none">
+            <a:endParaRPr sz="1800" b="0" i="0" u="none" dirty="0">
               <a:solidFill>
                 <a:schemeClr val="dk1"/>
               </a:solidFill>
@@ -13092,7 +13536,7 @@
               <a:buFont typeface="Noto Sans Symbols"/>
               <a:buNone/>
             </a:pPr>
-            <a:endParaRPr sz="1800" b="0" i="0" u="none">
+            <a:endParaRPr sz="1800" b="0" i="0" u="none" dirty="0">
               <a:solidFill>
                 <a:schemeClr val="dk1"/>
               </a:solidFill>
@@ -14858,8 +15302,8 @@
         </p:nvSpPr>
         <p:spPr>
           <a:xfrm>
-            <a:off x="348343" y="1417637"/>
-            <a:ext cx="5869577" cy="646331"/>
+            <a:off x="348344" y="1417637"/>
+            <a:ext cx="4511040" cy="3477875"/>
           </a:xfrm>
           <a:prstGeom prst="rect">
             <a:avLst/>
@@ -14872,16 +15316,99 @@
           </a:bodyPr>
           <a:lstStyle/>
           <a:p>
-            <a:r>
-              <a:rPr lang="ru-RU" sz="3600" dirty="0" smtClean="0">
-                <a:hlinkClick r:id="rId4" action="ppaction://hlinksldjump"/>
-              </a:rPr>
-              <a:t>См. слайд № 6 </a:t>
-            </a:r>
-            <a:endParaRPr lang="ru-RU" sz="3600" dirty="0"/>
+            <a:pPr lvl="0"/>
+            <a:r>
+              <a:rPr lang="ru-RU" sz="2000" dirty="0"/>
+              <a:t>1)Нахождение геометрического центра множества точек (среднего арифметического их координат</a:t>
+            </a:r>
+            <a:r>
+              <a:rPr lang="ru-RU" sz="2000" dirty="0" smtClean="0"/>
+              <a:t>)</a:t>
+            </a:r>
+            <a:endParaRPr lang="en-US" sz="2000" dirty="0" smtClean="0"/>
+          </a:p>
+          <a:p>
+            <a:r>
+              <a:rPr lang="ru-RU" sz="2000" dirty="0"/>
+              <a:t>2) Поиск наиболее удаленной от </a:t>
+            </a:r>
+            <a:r>
+              <a:rPr lang="ru-RU" sz="2000" dirty="0" smtClean="0"/>
+              <a:t>этого </a:t>
+            </a:r>
+            <a:r>
+              <a:rPr lang="ru-RU" sz="2000" dirty="0"/>
+              <a:t>центра </a:t>
+            </a:r>
+            <a:r>
+              <a:rPr lang="ru-RU" sz="2000" dirty="0" smtClean="0"/>
+              <a:t>точки</a:t>
+            </a:r>
+            <a:endParaRPr lang="en-US" sz="2000" dirty="0" smtClean="0"/>
+          </a:p>
+          <a:p>
+            <a:r>
+              <a:rPr lang="ru-RU" sz="2000" dirty="0"/>
+              <a:t>3) Расстояние от наиболее удаленной точки — радиус окружности, её центр — геометрический центр</a:t>
+            </a:r>
+          </a:p>
+          <a:p>
+            <a:endParaRPr lang="ru-RU" sz="2000" dirty="0"/>
+          </a:p>
+          <a:p>
+            <a:pPr lvl="0"/>
+            <a:endParaRPr lang="ru-RU" sz="2000" dirty="0"/>
           </a:p>
         </p:txBody>
       </p:sp>
+      <p:pic>
+        <p:nvPicPr>
+          <p:cNvPr id="6" name="Рисунок 5"/>
+          <p:cNvPicPr>
+            <a:picLocks noChangeAspect="1"/>
+          </p:cNvPicPr>
+          <p:nvPr/>
+        </p:nvPicPr>
+        <p:blipFill>
+          <a:blip r:embed="rId4"/>
+          <a:stretch>
+            <a:fillRect/>
+          </a:stretch>
+        </p:blipFill>
+        <p:spPr>
+          <a:xfrm>
+            <a:off x="5772074" y="1130254"/>
+            <a:ext cx="2113038" cy="2405141"/>
+          </a:xfrm>
+          <a:prstGeom prst="rect">
+            <a:avLst/>
+          </a:prstGeom>
+        </p:spPr>
+      </p:pic>
+      <p:pic>
+        <p:nvPicPr>
+          <p:cNvPr id="7" name="Рисунок 6"/>
+          <p:cNvPicPr>
+            <a:picLocks noChangeAspect="1"/>
+          </p:cNvPicPr>
+          <p:nvPr/>
+        </p:nvPicPr>
+        <p:blipFill>
+          <a:blip r:embed="rId5"/>
+          <a:stretch>
+            <a:fillRect/>
+          </a:stretch>
+        </p:blipFill>
+        <p:spPr>
+          <a:xfrm>
+            <a:off x="5783794" y="3878730"/>
+            <a:ext cx="2089597" cy="2033563"/>
+          </a:xfrm>
+          <a:prstGeom prst="rect">
+            <a:avLst/>
+          </a:prstGeom>
+        </p:spPr>
+      </p:pic>
     </p:spTree>
   </p:cSld>
   <p:clrMapOvr>
@@ -15546,19 +16073,7 @@
                 <a:cs typeface="Arial"/>
                 <a:sym typeface="Arial"/>
               </a:rPr>
-              <a:t> </a:t>
-            </a:r>
-            <a:r>
-              <a:rPr lang="en-US" sz="1600" b="0" i="0" u="none" dirty="0" smtClean="0">
-                <a:solidFill>
-                  <a:schemeClr val="dk1"/>
-                </a:solidFill>
-                <a:latin typeface="Arial"/>
-                <a:ea typeface="Arial"/>
-                <a:cs typeface="Arial"/>
-                <a:sym typeface="Arial"/>
-              </a:rPr>
-              <a:t>-1</a:t>
+              <a:t> -1</a:t>
             </a:r>
             <a:endParaRPr dirty="0"/>
           </a:p>
